--- a/卒業論文/2016/岩瀬翔/中間審査/中間審査ポスター_岩瀬.pptx
+++ b/卒業論文/2016/岩瀬翔/中間審査/中間審査ポスター_岩瀬.pptx
@@ -215,7 +215,7 @@
           <a:p>
             <a:fld id="{21D3087D-DF9F-42D6-A2CD-E6B26F00C14B}" type="datetimeFigureOut">
               <a:rPr kumimoji="1" lang="ja-JP" altLang="en-US" smtClean="0"/>
-              <a:t>2017/10/6</a:t>
+              <a:t>2017/10/9</a:t>
             </a:fld>
             <a:endParaRPr kumimoji="1" lang="ja-JP" altLang="en-US"/>
           </a:p>
@@ -693,7 +693,7 @@
           <a:p>
             <a:fld id="{7599971D-E424-4083-B0C6-61FDC58FEAC9}" type="datetimeFigureOut">
               <a:rPr kumimoji="1" lang="ja-JP" altLang="en-US" smtClean="0"/>
-              <a:t>2017/10/6</a:t>
+              <a:t>2017/10/9</a:t>
             </a:fld>
             <a:endParaRPr kumimoji="1" lang="ja-JP" altLang="en-US"/>
           </a:p>
@@ -893,7 +893,7 @@
           <a:p>
             <a:fld id="{7599971D-E424-4083-B0C6-61FDC58FEAC9}" type="datetimeFigureOut">
               <a:rPr kumimoji="1" lang="ja-JP" altLang="en-US" smtClean="0"/>
-              <a:t>2017/10/6</a:t>
+              <a:t>2017/10/9</a:t>
             </a:fld>
             <a:endParaRPr kumimoji="1" lang="ja-JP" altLang="en-US"/>
           </a:p>
@@ -1103,7 +1103,7 @@
           <a:p>
             <a:fld id="{7599971D-E424-4083-B0C6-61FDC58FEAC9}" type="datetimeFigureOut">
               <a:rPr kumimoji="1" lang="ja-JP" altLang="en-US" smtClean="0"/>
-              <a:t>2017/10/6</a:t>
+              <a:t>2017/10/9</a:t>
             </a:fld>
             <a:endParaRPr kumimoji="1" lang="ja-JP" altLang="en-US"/>
           </a:p>
@@ -1303,7 +1303,7 @@
           <a:p>
             <a:fld id="{7599971D-E424-4083-B0C6-61FDC58FEAC9}" type="datetimeFigureOut">
               <a:rPr kumimoji="1" lang="ja-JP" altLang="en-US" smtClean="0"/>
-              <a:t>2017/10/6</a:t>
+              <a:t>2017/10/9</a:t>
             </a:fld>
             <a:endParaRPr kumimoji="1" lang="ja-JP" altLang="en-US"/>
           </a:p>
@@ -1548,7 +1548,7 @@
           <a:p>
             <a:fld id="{7599971D-E424-4083-B0C6-61FDC58FEAC9}" type="datetimeFigureOut">
               <a:rPr kumimoji="1" lang="ja-JP" altLang="en-US" smtClean="0"/>
-              <a:t>2017/10/6</a:t>
+              <a:t>2017/10/9</a:t>
             </a:fld>
             <a:endParaRPr kumimoji="1" lang="ja-JP" altLang="en-US"/>
           </a:p>
@@ -1897,7 +1897,7 @@
           <a:p>
             <a:fld id="{7599971D-E424-4083-B0C6-61FDC58FEAC9}" type="datetimeFigureOut">
               <a:rPr kumimoji="1" lang="ja-JP" altLang="en-US" smtClean="0"/>
-              <a:t>2017/10/6</a:t>
+              <a:t>2017/10/9</a:t>
             </a:fld>
             <a:endParaRPr kumimoji="1" lang="ja-JP" altLang="en-US"/>
           </a:p>
@@ -2385,7 +2385,7 @@
           <a:p>
             <a:fld id="{7599971D-E424-4083-B0C6-61FDC58FEAC9}" type="datetimeFigureOut">
               <a:rPr kumimoji="1" lang="ja-JP" altLang="en-US" smtClean="0"/>
-              <a:t>2017/10/6</a:t>
+              <a:t>2017/10/9</a:t>
             </a:fld>
             <a:endParaRPr kumimoji="1" lang="ja-JP" altLang="en-US"/>
           </a:p>
@@ -2502,7 +2502,7 @@
           <a:p>
             <a:fld id="{7599971D-E424-4083-B0C6-61FDC58FEAC9}" type="datetimeFigureOut">
               <a:rPr kumimoji="1" lang="ja-JP" altLang="en-US" smtClean="0"/>
-              <a:t>2017/10/6</a:t>
+              <a:t>2017/10/9</a:t>
             </a:fld>
             <a:endParaRPr kumimoji="1" lang="ja-JP" altLang="en-US"/>
           </a:p>
@@ -2597,7 +2597,7 @@
           <a:p>
             <a:fld id="{7599971D-E424-4083-B0C6-61FDC58FEAC9}" type="datetimeFigureOut">
               <a:rPr kumimoji="1" lang="ja-JP" altLang="en-US" smtClean="0"/>
-              <a:t>2017/10/6</a:t>
+              <a:t>2017/10/9</a:t>
             </a:fld>
             <a:endParaRPr kumimoji="1" lang="ja-JP" altLang="en-US"/>
           </a:p>
@@ -2904,7 +2904,7 @@
           <a:p>
             <a:fld id="{7599971D-E424-4083-B0C6-61FDC58FEAC9}" type="datetimeFigureOut">
               <a:rPr kumimoji="1" lang="ja-JP" altLang="en-US" smtClean="0"/>
-              <a:t>2017/10/6</a:t>
+              <a:t>2017/10/9</a:t>
             </a:fld>
             <a:endParaRPr kumimoji="1" lang="ja-JP" altLang="en-US"/>
           </a:p>
@@ -3156,7 +3156,7 @@
           <a:p>
             <a:fld id="{7599971D-E424-4083-B0C6-61FDC58FEAC9}" type="datetimeFigureOut">
               <a:rPr kumimoji="1" lang="ja-JP" altLang="en-US" smtClean="0"/>
-              <a:t>2017/10/6</a:t>
+              <a:t>2017/10/9</a:t>
             </a:fld>
             <a:endParaRPr kumimoji="1" lang="ja-JP" altLang="en-US"/>
           </a:p>
@@ -3399,7 +3399,7 @@
           <a:p>
             <a:fld id="{7599971D-E424-4083-B0C6-61FDC58FEAC9}" type="datetimeFigureOut">
               <a:rPr kumimoji="1" lang="ja-JP" altLang="en-US" smtClean="0"/>
-              <a:t>2017/10/6</a:t>
+              <a:t>2017/10/9</a:t>
             </a:fld>
             <a:endParaRPr kumimoji="1" lang="ja-JP" altLang="en-US"/>
           </a:p>
@@ -3851,35 +3851,7 @@
                 </a:effectLst>
                 <a:latin typeface="+mj-lt"/>
               </a:rPr>
-              <a:t>サービス</a:t>
-            </a:r>
-            <a:r>
-              <a:rPr lang="ja-JP" altLang="en-US" sz="6600" b="1" dirty="0" smtClean="0">
-                <a:effectLst>
-                  <a:glow rad="101600">
-                    <a:srgbClr val="FFE880">
-                      <a:tint val="20000"/>
-                      <a:alpha val="60000"/>
-                    </a:srgbClr>
-                  </a:glow>
-                </a:effectLst>
-                <a:latin typeface="+mj-lt"/>
-              </a:rPr>
-              <a:t>障害</a:t>
-            </a:r>
-            <a:r>
-              <a:rPr lang="ja-JP" altLang="en-US" sz="6600" b="1" dirty="0">
-                <a:effectLst>
-                  <a:glow rad="101600">
-                    <a:srgbClr val="FFE880">
-                      <a:tint val="20000"/>
-                      <a:alpha val="60000"/>
-                    </a:srgbClr>
-                  </a:glow>
-                </a:effectLst>
-                <a:latin typeface="+mj-lt"/>
-              </a:rPr>
-              <a:t>の影響調査</a:t>
+              <a:t>サービス障害の影響調査</a:t>
             </a:r>
           </a:p>
         </p:txBody>
@@ -3942,7 +3914,7 @@
         </p:nvSpPr>
         <p:spPr>
           <a:xfrm>
-            <a:off x="8736388" y="4017301"/>
+            <a:off x="8413249" y="3462992"/>
             <a:ext cx="4630809" cy="2233234"/>
           </a:xfrm>
           <a:prstGeom prst="rightArrow">
@@ -3992,7 +3964,7 @@
         </p:nvSpPr>
         <p:spPr>
           <a:xfrm>
-            <a:off x="13946832" y="4205129"/>
+            <a:off x="13792698" y="3617690"/>
             <a:ext cx="5492700" cy="1754326"/>
           </a:xfrm>
           <a:prstGeom prst="rect">
@@ -4008,11 +3980,7 @@
           <a:p>
             <a:r>
               <a:rPr lang="ja-JP" altLang="en-US" sz="5400" b="1" dirty="0"/>
-              <a:t>主要な</a:t>
-            </a:r>
-            <a:r>
-              <a:rPr lang="ja-JP" altLang="en-US" sz="5400" b="1" dirty="0" smtClean="0"/>
-              <a:t>サービスが使用できなくなる</a:t>
+              <a:t>主要なサービスが使用できなくなる</a:t>
             </a:r>
             <a:endParaRPr lang="en-US" altLang="ja-JP" sz="5400" b="1" dirty="0"/>
           </a:p>
@@ -4041,8 +4009,8 @@
         </p:blipFill>
         <p:spPr bwMode="auto">
           <a:xfrm>
-            <a:off x="1576848" y="3435846"/>
-            <a:ext cx="4997253" cy="1852314"/>
+            <a:off x="1776241" y="3244498"/>
+            <a:ext cx="4146412" cy="1536936"/>
           </a:xfrm>
           <a:prstGeom prst="rect">
             <a:avLst/>
@@ -4122,7 +4090,7 @@
         </p:nvSpPr>
         <p:spPr>
           <a:xfrm>
-            <a:off x="768372" y="6290573"/>
+            <a:off x="768372" y="5584866"/>
             <a:ext cx="3239860" cy="1071384"/>
           </a:xfrm>
           <a:prstGeom prst="roundRect">
@@ -4276,7 +4244,7 @@
         </p:nvSpPr>
         <p:spPr>
           <a:xfrm>
-            <a:off x="768372" y="10232271"/>
+            <a:off x="768372" y="9262823"/>
             <a:ext cx="3239860" cy="1071384"/>
           </a:xfrm>
           <a:prstGeom prst="roundRect">
@@ -4333,7 +4301,7 @@
         </p:nvSpPr>
         <p:spPr>
           <a:xfrm>
-            <a:off x="768372" y="13964614"/>
+            <a:off x="768372" y="15140729"/>
             <a:ext cx="4026010" cy="1071384"/>
           </a:xfrm>
           <a:prstGeom prst="roundRect">
@@ -4388,7 +4356,7 @@
         </p:nvSpPr>
         <p:spPr>
           <a:xfrm>
-            <a:off x="2934989" y="23049354"/>
+            <a:off x="2873763" y="23922706"/>
             <a:ext cx="5478260" cy="461665"/>
           </a:xfrm>
           <a:prstGeom prst="rect">
@@ -4424,7 +4392,7 @@
         </p:nvSpPr>
         <p:spPr>
           <a:xfrm>
-            <a:off x="12310923" y="23049353"/>
+            <a:off x="12249697" y="23922705"/>
             <a:ext cx="6422550" cy="461665"/>
           </a:xfrm>
           <a:prstGeom prst="rect">
@@ -4460,7 +4428,7 @@
         </p:nvSpPr>
         <p:spPr>
           <a:xfrm>
-            <a:off x="9260529" y="4728571"/>
+            <a:off x="8937390" y="4174262"/>
             <a:ext cx="2967480" cy="923330"/>
           </a:xfrm>
           <a:prstGeom prst="rect">
@@ -4468,25 +4436,20 @@
           </a:prstGeom>
         </p:spPr>
         <p:txBody>
-          <a:bodyPr wrap="none">
+          <a:bodyPr wrap="square">
             <a:spAutoFit/>
           </a:bodyPr>
           <a:lstStyle/>
           <a:p>
             <a:pPr lvl="0" algn="ctr"/>
             <a:r>
-              <a:rPr lang="ja-JP" altLang="en-US" sz="5400" b="1" dirty="0" smtClean="0">
+              <a:rPr lang="ja-JP" altLang="en-US" sz="5400" b="1" dirty="0">
                 <a:solidFill>
                   <a:srgbClr val="FF0000"/>
                 </a:solidFill>
               </a:rPr>
               <a:t>障害発生</a:t>
             </a:r>
-            <a:endParaRPr lang="ja-JP" altLang="en-US" sz="5400" b="1" dirty="0">
-              <a:solidFill>
-                <a:srgbClr val="FF0000"/>
-              </a:solidFill>
-            </a:endParaRPr>
           </a:p>
         </p:txBody>
       </p:sp>
@@ -4498,8 +4461,8 @@
         </p:nvSpPr>
         <p:spPr>
           <a:xfrm>
-            <a:off x="761296" y="23828807"/>
-            <a:ext cx="20086747" cy="3108543"/>
+            <a:off x="814238" y="24582646"/>
+            <a:ext cx="19003524" cy="2677656"/>
           </a:xfrm>
           <a:prstGeom prst="rect">
             <a:avLst/>
@@ -4512,10 +4475,10 @@
           <a:lstStyle/>
           <a:p>
             <a:r>
-              <a:rPr lang="ja-JP" altLang="en-US" sz="4400" dirty="0"/>
+              <a:rPr lang="ja-JP" altLang="en-US" sz="3600" dirty="0"/>
               <a:t>現在の進捗からわかったこと</a:t>
             </a:r>
-            <a:endParaRPr lang="en-US" altLang="ja-JP" sz="4400" dirty="0"/>
+            <a:endParaRPr lang="en-US" altLang="ja-JP" sz="3600" dirty="0"/>
           </a:p>
           <a:p>
             <a:pPr marL="1048005" indent="-1048005">
@@ -4523,14 +4486,10 @@
               <a:buChar char="•"/>
             </a:pPr>
             <a:r>
-              <a:rPr lang="ja-JP" altLang="en-US" sz="3800" dirty="0"/>
-              <a:t>サービスの停止した時間帯や時間間隔は様々で</a:t>
-            </a:r>
-            <a:r>
-              <a:rPr lang="ja-JP" altLang="en-US" sz="3800" dirty="0" smtClean="0"/>
-              <a:t>ある</a:t>
-            </a:r>
-            <a:endParaRPr lang="en-US" altLang="ja-JP" sz="3800" dirty="0"/>
+              <a:rPr lang="ja-JP" altLang="en-US" sz="3200" dirty="0"/>
+              <a:t>サービスの停止した時間帯や時間間隔は様々である</a:t>
+            </a:r>
+            <a:endParaRPr lang="en-US" altLang="ja-JP" sz="3200" dirty="0"/>
           </a:p>
           <a:p>
             <a:pPr marL="1048005" indent="-1048005">
@@ -4538,14 +4497,10 @@
               <a:buChar char="•"/>
             </a:pPr>
             <a:r>
-              <a:rPr lang="ja-JP" altLang="en-US" sz="3800" dirty="0"/>
-              <a:t>停止から復旧までの間隔が同じくらいでも，時間帯によってツイート数に違いが</a:t>
-            </a:r>
-            <a:r>
-              <a:rPr lang="ja-JP" altLang="en-US" sz="3800" dirty="0" smtClean="0"/>
-              <a:t>ある</a:t>
-            </a:r>
-            <a:endParaRPr lang="en-US" altLang="ja-JP" sz="3800" dirty="0"/>
+              <a:rPr lang="ja-JP" altLang="en-US" sz="3200" dirty="0"/>
+              <a:t>停止から復旧までの間隔が同じくらいでも，時間帯によってツイート数に違いがある</a:t>
+            </a:r>
+            <a:endParaRPr lang="en-US" altLang="ja-JP" sz="3200" dirty="0"/>
           </a:p>
           <a:p>
             <a:pPr marL="1048005" indent="-1048005">
@@ -4553,26 +4508,21 @@
               <a:buChar char="•"/>
             </a:pPr>
             <a:r>
-              <a:rPr lang="en-US" altLang="ja-JP" sz="3800" dirty="0"/>
+              <a:rPr lang="en-US" altLang="ja-JP" sz="3200" dirty="0"/>
               <a:t>GitHub Status</a:t>
             </a:r>
             <a:r>
-              <a:rPr lang="ja-JP" altLang="en-US" sz="3800" dirty="0"/>
+              <a:rPr lang="ja-JP" altLang="en-US" sz="3200" dirty="0"/>
               <a:t>を参照して取得するツイート時間を決定していたが，サービス停止・復旧報告のツイートの方が平均して約 </a:t>
             </a:r>
             <a:r>
-              <a:rPr lang="en-US" altLang="ja-JP" sz="3800" dirty="0"/>
+              <a:rPr lang="en-US" altLang="ja-JP" sz="3200" dirty="0"/>
               <a:t>8 </a:t>
             </a:r>
             <a:r>
-              <a:rPr lang="ja-JP" altLang="en-US" sz="3800" dirty="0"/>
-              <a:t>分ほど</a:t>
-            </a:r>
-            <a:r>
-              <a:rPr lang="ja-JP" altLang="en-US" sz="3800" dirty="0" smtClean="0"/>
-              <a:t>早かった</a:t>
-            </a:r>
-            <a:endParaRPr lang="ja-JP" altLang="en-US" sz="3800" dirty="0"/>
+              <a:rPr lang="ja-JP" altLang="en-US" sz="3200" dirty="0"/>
+              <a:t>分ほど早かった</a:t>
+            </a:r>
           </a:p>
         </p:txBody>
       </p:sp>
@@ -4581,7 +4531,7 @@
           <p:cNvPr id="13" name="正方形/長方形 12">
             <a:extLst>
               <a:ext uri="{FF2B5EF4-FFF2-40B4-BE49-F238E27FC236}">
-                <a16:creationId xmlns="" xmlns:a16="http://schemas.microsoft.com/office/drawing/2014/main" id="{401C0CA2-1ED5-4367-8DD2-276FF27AF999}"/>
+                <a16:creationId xmlns:a16="http://schemas.microsoft.com/office/drawing/2014/main" id="{401C0CA2-1ED5-4367-8DD2-276FF27AF999}"/>
               </a:ext>
             </a:extLst>
           </p:cNvPr>
@@ -4590,7 +4540,7 @@
         </p:nvSpPr>
         <p:spPr>
           <a:xfrm>
-            <a:off x="1672118" y="5047643"/>
+            <a:off x="1277386" y="4494853"/>
             <a:ext cx="6523492" cy="1077218"/>
           </a:xfrm>
           <a:prstGeom prst="rect">
@@ -4615,7 +4565,7 @@
           <p:cNvPr id="15" name="表 14">
             <a:extLst>
               <a:ext uri="{FF2B5EF4-FFF2-40B4-BE49-F238E27FC236}">
-                <a16:creationId xmlns="" xmlns:a16="http://schemas.microsoft.com/office/drawing/2014/main" id="{9429DEA6-DD74-4688-B7B1-C64FD93B1582}"/>
+                <a16:creationId xmlns:a16="http://schemas.microsoft.com/office/drawing/2014/main" id="{9429DEA6-DD74-4688-B7B1-C64FD93B1582}"/>
               </a:ext>
             </a:extLst>
           </p:cNvPr>
@@ -4625,117 +4575,117 @@
           <p:nvPr>
             <p:extLst>
               <p:ext uri="{D42A27DB-BD31-4B8C-83A1-F6EECF244321}">
-                <p14:modId xmlns:p14="http://schemas.microsoft.com/office/powerpoint/2010/main" val="3490403417"/>
+                <p14:modId xmlns:p14="http://schemas.microsoft.com/office/powerpoint/2010/main" val="712871034"/>
               </p:ext>
             </p:extLst>
           </p:nvPr>
         </p:nvGraphicFramePr>
         <p:xfrm>
-          <a:off x="1227019" y="15809700"/>
+          <a:off x="1192937" y="16839805"/>
           <a:ext cx="18901170" cy="2025084"/>
         </p:xfrm>
         <a:graphic>
           <a:graphicData uri="http://schemas.openxmlformats.org/drawingml/2006/table">
             <a:tbl>
-              <a:tblPr>
-                <a:tableStyleId>{69CF1AB2-1976-4502-BF36-3FF5EA218861}</a:tableStyleId>
+              <a:tblPr bandRow="1">
+                <a:tableStyleId>{BDBED569-4797-4DF1-A0F4-6AAB3CD982D8}</a:tableStyleId>
               </a:tblPr>
               <a:tblGrid>
                 <a:gridCol w="960325">
                   <a:extLst>
                     <a:ext uri="{9D8B030D-6E8A-4147-A177-3AD203B41FA5}">
-                      <a16:colId xmlns="" xmlns:a16="http://schemas.microsoft.com/office/drawing/2014/main" val="3558138634"/>
+                      <a16:colId xmlns:a16="http://schemas.microsoft.com/office/drawing/2014/main" val="3558138634"/>
                     </a:ext>
                   </a:extLst>
                 </a:gridCol>
                 <a:gridCol w="1380065">
                   <a:extLst>
                     <a:ext uri="{9D8B030D-6E8A-4147-A177-3AD203B41FA5}">
-                      <a16:colId xmlns="" xmlns:a16="http://schemas.microsoft.com/office/drawing/2014/main" val="1184554487"/>
+                      <a16:colId xmlns:a16="http://schemas.microsoft.com/office/drawing/2014/main" val="1184554487"/>
                     </a:ext>
                   </a:extLst>
                 </a:gridCol>
                 <a:gridCol w="1380065">
                   <a:extLst>
                     <a:ext uri="{9D8B030D-6E8A-4147-A177-3AD203B41FA5}">
-                      <a16:colId xmlns="" xmlns:a16="http://schemas.microsoft.com/office/drawing/2014/main" val="3597270563"/>
+                      <a16:colId xmlns:a16="http://schemas.microsoft.com/office/drawing/2014/main" val="3597270563"/>
                     </a:ext>
                   </a:extLst>
                 </a:gridCol>
                 <a:gridCol w="1380065">
                   <a:extLst>
                     <a:ext uri="{9D8B030D-6E8A-4147-A177-3AD203B41FA5}">
-                      <a16:colId xmlns="" xmlns:a16="http://schemas.microsoft.com/office/drawing/2014/main" val="1638977218"/>
+                      <a16:colId xmlns:a16="http://schemas.microsoft.com/office/drawing/2014/main" val="1638977218"/>
                     </a:ext>
                   </a:extLst>
                 </a:gridCol>
                 <a:gridCol w="1380065">
                   <a:extLst>
                     <a:ext uri="{9D8B030D-6E8A-4147-A177-3AD203B41FA5}">
-                      <a16:colId xmlns="" xmlns:a16="http://schemas.microsoft.com/office/drawing/2014/main" val="4012300483"/>
+                      <a16:colId xmlns:a16="http://schemas.microsoft.com/office/drawing/2014/main" val="4012300483"/>
                     </a:ext>
                   </a:extLst>
                 </a:gridCol>
                 <a:gridCol w="1380065">
                   <a:extLst>
                     <a:ext uri="{9D8B030D-6E8A-4147-A177-3AD203B41FA5}">
-                      <a16:colId xmlns="" xmlns:a16="http://schemas.microsoft.com/office/drawing/2014/main" val="1098958355"/>
+                      <a16:colId xmlns:a16="http://schemas.microsoft.com/office/drawing/2014/main" val="1098958355"/>
                     </a:ext>
                   </a:extLst>
                 </a:gridCol>
                 <a:gridCol w="1380065">
                   <a:extLst>
                     <a:ext uri="{9D8B030D-6E8A-4147-A177-3AD203B41FA5}">
-                      <a16:colId xmlns="" xmlns:a16="http://schemas.microsoft.com/office/drawing/2014/main" val="2438144358"/>
+                      <a16:colId xmlns:a16="http://schemas.microsoft.com/office/drawing/2014/main" val="2438144358"/>
                     </a:ext>
                   </a:extLst>
                 </a:gridCol>
                 <a:gridCol w="1380065">
                   <a:extLst>
                     <a:ext uri="{9D8B030D-6E8A-4147-A177-3AD203B41FA5}">
-                      <a16:colId xmlns="" xmlns:a16="http://schemas.microsoft.com/office/drawing/2014/main" val="187147811"/>
+                      <a16:colId xmlns:a16="http://schemas.microsoft.com/office/drawing/2014/main" val="187147811"/>
                     </a:ext>
                   </a:extLst>
                 </a:gridCol>
                 <a:gridCol w="1380065">
                   <a:extLst>
                     <a:ext uri="{9D8B030D-6E8A-4147-A177-3AD203B41FA5}">
-                      <a16:colId xmlns="" xmlns:a16="http://schemas.microsoft.com/office/drawing/2014/main" val="333209322"/>
+                      <a16:colId xmlns:a16="http://schemas.microsoft.com/office/drawing/2014/main" val="333209322"/>
                     </a:ext>
                   </a:extLst>
                 </a:gridCol>
                 <a:gridCol w="1380065">
                   <a:extLst>
                     <a:ext uri="{9D8B030D-6E8A-4147-A177-3AD203B41FA5}">
-                      <a16:colId xmlns="" xmlns:a16="http://schemas.microsoft.com/office/drawing/2014/main" val="3381768077"/>
+                      <a16:colId xmlns:a16="http://schemas.microsoft.com/office/drawing/2014/main" val="3381768077"/>
                     </a:ext>
                   </a:extLst>
                 </a:gridCol>
                 <a:gridCol w="1380065">
                   <a:extLst>
                     <a:ext uri="{9D8B030D-6E8A-4147-A177-3AD203B41FA5}">
-                      <a16:colId xmlns="" xmlns:a16="http://schemas.microsoft.com/office/drawing/2014/main" val="2123087931"/>
+                      <a16:colId xmlns:a16="http://schemas.microsoft.com/office/drawing/2014/main" val="2123087931"/>
                     </a:ext>
                   </a:extLst>
                 </a:gridCol>
                 <a:gridCol w="1380065">
                   <a:extLst>
                     <a:ext uri="{9D8B030D-6E8A-4147-A177-3AD203B41FA5}">
-                      <a16:colId xmlns="" xmlns:a16="http://schemas.microsoft.com/office/drawing/2014/main" val="3447861689"/>
+                      <a16:colId xmlns:a16="http://schemas.microsoft.com/office/drawing/2014/main" val="3447861689"/>
                     </a:ext>
                   </a:extLst>
                 </a:gridCol>
                 <a:gridCol w="1380065">
                   <a:extLst>
                     <a:ext uri="{9D8B030D-6E8A-4147-A177-3AD203B41FA5}">
-                      <a16:colId xmlns="" xmlns:a16="http://schemas.microsoft.com/office/drawing/2014/main" val="439002311"/>
+                      <a16:colId xmlns:a16="http://schemas.microsoft.com/office/drawing/2014/main" val="439002311"/>
                     </a:ext>
                   </a:extLst>
                 </a:gridCol>
                 <a:gridCol w="1380065">
                   <a:extLst>
                     <a:ext uri="{9D8B030D-6E8A-4147-A177-3AD203B41FA5}">
-                      <a16:colId xmlns="" xmlns:a16="http://schemas.microsoft.com/office/drawing/2014/main" val="1303845759"/>
+                      <a16:colId xmlns:a16="http://schemas.microsoft.com/office/drawing/2014/main" val="1303845759"/>
                     </a:ext>
                   </a:extLst>
                 </a:gridCol>
@@ -5313,7 +5263,7 @@
                 </a:tc>
                 <a:extLst>
                   <a:ext uri="{0D108BD9-81ED-4DB2-BD59-A6C34878D82A}">
-                    <a16:rowId xmlns="" xmlns:a16="http://schemas.microsoft.com/office/drawing/2014/main" val="256567460"/>
+                    <a16:rowId xmlns:a16="http://schemas.microsoft.com/office/drawing/2014/main" val="256567460"/>
                   </a:ext>
                 </a:extLst>
               </a:tr>
@@ -5325,34 +5275,10 @@
                     <a:p>
                       <a:pPr algn="ctr" fontAlgn="ctr"/>
                       <a:r>
-                        <a:rPr lang="ja-JP" altLang="en-US" sz="2400" u="none" strike="noStrike" baseline="0">
+                        <a:rPr lang="ja-JP" altLang="en-US" sz="2400" u="none" strike="noStrike" baseline="0" dirty="0">
                           <a:effectLst/>
                         </a:rPr>
                         <a:t>曜日</a:t>
-                      </a:r>
-                      <a:endParaRPr lang="ja-JP" altLang="en-US" sz="2400" b="0" i="0" u="none" strike="noStrike" baseline="0">
-                        <a:solidFill>
-                          <a:srgbClr val="000000"/>
-                        </a:solidFill>
-                        <a:effectLst/>
-                        <a:latin typeface="游ゴシック" panose="020B0400000000000000" pitchFamily="50" charset="-128"/>
-                        <a:ea typeface="游ゴシック" panose="020B0400000000000000" pitchFamily="50" charset="-128"/>
-                      </a:endParaRPr>
-                    </a:p>
-                  </a:txBody>
-                  <a:tcPr marL="9525" marR="9525" marT="9525" marB="0" anchor="ctr"/>
-                </a:tc>
-                <a:tc>
-                  <a:txBody>
-                    <a:bodyPr/>
-                    <a:lstStyle/>
-                    <a:p>
-                      <a:pPr algn="ctr" fontAlgn="ctr"/>
-                      <a:r>
-                        <a:rPr lang="ja-JP" altLang="en-US" sz="2400" u="none" strike="noStrike" baseline="0" dirty="0">
-                          <a:effectLst/>
-                        </a:rPr>
-                        <a:t>水</a:t>
                       </a:r>
                       <a:endParaRPr lang="ja-JP" altLang="en-US" sz="2400" b="0" i="0" u="none" strike="noStrike" baseline="0" dirty="0">
                         <a:solidFill>
@@ -5376,7 +5302,7 @@
                         <a:rPr lang="ja-JP" altLang="en-US" sz="2400" u="none" strike="noStrike" baseline="0" dirty="0">
                           <a:effectLst/>
                         </a:rPr>
-                        <a:t>火</a:t>
+                        <a:t>水</a:t>
                       </a:r>
                       <a:endParaRPr lang="ja-JP" altLang="en-US" sz="2400" b="0" i="0" u="none" strike="noStrike" baseline="0" dirty="0">
                         <a:solidFill>
@@ -5424,7 +5350,7 @@
                         <a:rPr lang="ja-JP" altLang="en-US" sz="2400" u="none" strike="noStrike" baseline="0" dirty="0">
                           <a:effectLst/>
                         </a:rPr>
-                        <a:t>水</a:t>
+                        <a:t>火</a:t>
                       </a:r>
                       <a:endParaRPr lang="ja-JP" altLang="en-US" sz="2400" b="0" i="0" u="none" strike="noStrike" baseline="0" dirty="0">
                         <a:solidFill>
@@ -5448,7 +5374,7 @@
                         <a:rPr lang="ja-JP" altLang="en-US" sz="2400" u="none" strike="noStrike" baseline="0" dirty="0">
                           <a:effectLst/>
                         </a:rPr>
-                        <a:t>金</a:t>
+                        <a:t>水</a:t>
                       </a:r>
                       <a:endParaRPr lang="ja-JP" altLang="en-US" sz="2400" b="0" i="0" u="none" strike="noStrike" baseline="0" dirty="0">
                         <a:solidFill>
@@ -5472,7 +5398,7 @@
                         <a:rPr lang="ja-JP" altLang="en-US" sz="2400" u="none" strike="noStrike" baseline="0" dirty="0">
                           <a:effectLst/>
                         </a:rPr>
-                        <a:t>火</a:t>
+                        <a:t>金</a:t>
                       </a:r>
                       <a:endParaRPr lang="ja-JP" altLang="en-US" sz="2400" b="0" i="0" u="none" strike="noStrike" baseline="0" dirty="0">
                         <a:solidFill>
@@ -5496,7 +5422,7 @@
                         <a:rPr lang="ja-JP" altLang="en-US" sz="2400" u="none" strike="noStrike" baseline="0" dirty="0">
                           <a:effectLst/>
                         </a:rPr>
-                        <a:t>日</a:t>
+                        <a:t>火</a:t>
                       </a:r>
                       <a:endParaRPr lang="ja-JP" altLang="en-US" sz="2400" b="0" i="0" u="none" strike="noStrike" baseline="0" dirty="0">
                         <a:solidFill>
@@ -5520,7 +5446,7 @@
                         <a:rPr lang="ja-JP" altLang="en-US" sz="2400" u="none" strike="noStrike" baseline="0" dirty="0">
                           <a:effectLst/>
                         </a:rPr>
-                        <a:t>木</a:t>
+                        <a:t>日</a:t>
                       </a:r>
                       <a:endParaRPr lang="ja-JP" altLang="en-US" sz="2400" b="0" i="0" u="none" strike="noStrike" baseline="0" dirty="0">
                         <a:solidFill>
@@ -5568,7 +5494,7 @@
                         <a:rPr lang="ja-JP" altLang="en-US" sz="2400" u="none" strike="noStrike" baseline="0" dirty="0">
                           <a:effectLst/>
                         </a:rPr>
-                        <a:t>火</a:t>
+                        <a:t>木</a:t>
                       </a:r>
                       <a:endParaRPr lang="ja-JP" altLang="en-US" sz="2400" b="0" i="0" u="none" strike="noStrike" baseline="0" dirty="0">
                         <a:solidFill>
@@ -5616,7 +5542,7 @@
                         <a:rPr lang="ja-JP" altLang="en-US" sz="2400" u="none" strike="noStrike" baseline="0" dirty="0">
                           <a:effectLst/>
                         </a:rPr>
-                        <a:t>水</a:t>
+                        <a:t>火</a:t>
                       </a:r>
                       <a:endParaRPr lang="ja-JP" altLang="en-US" sz="2400" b="0" i="0" u="none" strike="noStrike" baseline="0" dirty="0">
                         <a:solidFill>
@@ -5654,9 +5580,33 @@
                   </a:txBody>
                   <a:tcPr marL="9525" marR="9525" marT="9525" marB="0" anchor="ctr"/>
                 </a:tc>
+                <a:tc>
+                  <a:txBody>
+                    <a:bodyPr/>
+                    <a:lstStyle/>
+                    <a:p>
+                      <a:pPr algn="ctr" fontAlgn="ctr"/>
+                      <a:r>
+                        <a:rPr lang="ja-JP" altLang="en-US" sz="2400" u="none" strike="noStrike" baseline="0" dirty="0">
+                          <a:effectLst/>
+                        </a:rPr>
+                        <a:t>水</a:t>
+                      </a:r>
+                      <a:endParaRPr lang="ja-JP" altLang="en-US" sz="2400" b="0" i="0" u="none" strike="noStrike" baseline="0" dirty="0">
+                        <a:solidFill>
+                          <a:srgbClr val="000000"/>
+                        </a:solidFill>
+                        <a:effectLst/>
+                        <a:latin typeface="游ゴシック" panose="020B0400000000000000" pitchFamily="50" charset="-128"/>
+                        <a:ea typeface="游ゴシック" panose="020B0400000000000000" pitchFamily="50" charset="-128"/>
+                      </a:endParaRPr>
+                    </a:p>
+                  </a:txBody>
+                  <a:tcPr marL="9525" marR="9525" marT="9525" marB="0" anchor="ctr"/>
+                </a:tc>
                 <a:extLst>
                   <a:ext uri="{0D108BD9-81ED-4DB2-BD59-A6C34878D82A}">
-                    <a16:rowId xmlns="" xmlns:a16="http://schemas.microsoft.com/office/drawing/2014/main" val="1123396053"/>
+                    <a16:rowId xmlns:a16="http://schemas.microsoft.com/office/drawing/2014/main" val="1123396053"/>
                   </a:ext>
                 </a:extLst>
               </a:tr>
@@ -5999,7 +5949,7 @@
                 </a:tc>
                 <a:extLst>
                   <a:ext uri="{0D108BD9-81ED-4DB2-BD59-A6C34878D82A}">
-                    <a16:rowId xmlns="" xmlns:a16="http://schemas.microsoft.com/office/drawing/2014/main" val="3911300270"/>
+                    <a16:rowId xmlns:a16="http://schemas.microsoft.com/office/drawing/2014/main" val="3911300270"/>
                   </a:ext>
                 </a:extLst>
               </a:tr>
@@ -6012,7 +5962,7 @@
           <p:cNvPr id="21" name="図 20">
             <a:extLst>
               <a:ext uri="{FF2B5EF4-FFF2-40B4-BE49-F238E27FC236}">
-                <a16:creationId xmlns="" xmlns:a16="http://schemas.microsoft.com/office/drawing/2014/main" id="{14B41791-6E98-407A-BA03-9E48E28D38B8}"/>
+                <a16:creationId xmlns:a16="http://schemas.microsoft.com/office/drawing/2014/main" id="{14B41791-6E98-407A-BA03-9E48E28D38B8}"/>
               </a:ext>
             </a:extLst>
           </p:cNvPr>
@@ -6028,7 +5978,7 @@
         </p:blipFill>
         <p:spPr>
           <a:xfrm>
-            <a:off x="933651" y="18388929"/>
+            <a:off x="872425" y="19262281"/>
             <a:ext cx="9480936" cy="4662901"/>
           </a:xfrm>
           <a:prstGeom prst="rect">
@@ -6041,7 +5991,7 @@
           <p:cNvPr id="22" name="図 21">
             <a:extLst>
               <a:ext uri="{FF2B5EF4-FFF2-40B4-BE49-F238E27FC236}">
-                <a16:creationId xmlns="" xmlns:a16="http://schemas.microsoft.com/office/drawing/2014/main" id="{EE4C2E45-6B1E-453E-B03D-13FD887BE7E7}"/>
+                <a16:creationId xmlns:a16="http://schemas.microsoft.com/office/drawing/2014/main" id="{EE4C2E45-6B1E-453E-B03D-13FD887BE7E7}"/>
               </a:ext>
             </a:extLst>
           </p:cNvPr>
@@ -6057,7 +6007,7 @@
         </p:blipFill>
         <p:spPr>
           <a:xfrm>
-            <a:off x="11051792" y="18382967"/>
+            <a:off x="10990566" y="19256319"/>
             <a:ext cx="8940813" cy="4666387"/>
           </a:xfrm>
           <a:prstGeom prst="rect">
@@ -6073,8 +6023,8 @@
         </p:nvSpPr>
         <p:spPr>
           <a:xfrm>
-            <a:off x="523493" y="11514146"/>
-            <a:ext cx="4719094" cy="2154851"/>
+            <a:off x="1587265" y="10527036"/>
+            <a:ext cx="4367157" cy="1352925"/>
           </a:xfrm>
           <a:prstGeom prst="roundRect">
             <a:avLst/>
@@ -6108,7 +6058,7 @@
           <a:p>
             <a:pPr algn="ctr"/>
             <a:r>
-              <a:rPr kumimoji="1" lang="en-US" altLang="ja-JP" sz="3600" dirty="0" smtClean="0">
+              <a:rPr kumimoji="1" lang="en-US" altLang="ja-JP" sz="3200" dirty="0">
                 <a:solidFill>
                   <a:schemeClr val="tx1"/>
                 </a:solidFill>
@@ -6116,30 +6066,22 @@
               <a:t>Twitter</a:t>
             </a:r>
             <a:r>
-              <a:rPr lang="ja-JP" altLang="en-US" sz="3600" dirty="0" smtClean="0">
+              <a:rPr kumimoji="1" lang="ja-JP" altLang="en-US" sz="3200" dirty="0">
                 <a:solidFill>
                   <a:schemeClr val="tx1"/>
                 </a:solidFill>
               </a:rPr>
-              <a:t>で</a:t>
-            </a:r>
-            <a:r>
-              <a:rPr lang="en-US" altLang="ja-JP" sz="3600" dirty="0" smtClean="0">
+              <a:t>の高度な検索を使い</a:t>
+            </a:r>
+            <a:r>
+              <a:rPr lang="ja-JP" altLang="en-US" sz="3200" dirty="0">
                 <a:solidFill>
                   <a:schemeClr val="tx1"/>
                 </a:solidFill>
               </a:rPr>
-              <a:t>GitHub</a:t>
-            </a:r>
-            <a:r>
-              <a:rPr lang="ja-JP" altLang="en-US" sz="3600" dirty="0" smtClean="0">
-                <a:solidFill>
-                  <a:schemeClr val="tx1"/>
-                </a:solidFill>
-              </a:rPr>
-              <a:t>に関するツイートを検索</a:t>
-            </a:r>
-            <a:endParaRPr kumimoji="1" lang="ja-JP" altLang="en-US" sz="3600" dirty="0">
+              <a:t>ツイートを検索</a:t>
+            </a:r>
+            <a:endParaRPr kumimoji="1" lang="ja-JP" altLang="en-US" sz="3200" dirty="0">
               <a:solidFill>
                 <a:schemeClr val="tx1"/>
               </a:solidFill>
@@ -6155,8 +6097,8 @@
         </p:nvSpPr>
         <p:spPr>
           <a:xfrm>
-            <a:off x="16169447" y="11511646"/>
-            <a:ext cx="4723615" cy="2154851"/>
+            <a:off x="15446421" y="10525958"/>
+            <a:ext cx="4371341" cy="1352925"/>
           </a:xfrm>
           <a:prstGeom prst="roundRect">
             <a:avLst/>
@@ -6190,19 +6132,30 @@
           <a:p>
             <a:pPr algn="ctr"/>
             <a:r>
-              <a:rPr kumimoji="1" lang="ja-JP" altLang="en-US" sz="3600" dirty="0" smtClean="0">
+              <a:rPr kumimoji="1" lang="ja-JP" altLang="en-US" sz="3200" dirty="0">
                 <a:solidFill>
                   <a:schemeClr val="tx1"/>
                 </a:solidFill>
               </a:rPr>
-              <a:t>データ分析し，対策を検討</a:t>
-            </a:r>
-            <a:endParaRPr kumimoji="1" lang="ja-JP" altLang="en-US" sz="3600" dirty="0">
+              <a:t>データ分析し，対策を</a:t>
+            </a:r>
+            <a:endParaRPr kumimoji="1" lang="en-US" altLang="ja-JP" sz="3200" dirty="0">
               <a:solidFill>
                 <a:schemeClr val="tx1"/>
               </a:solidFill>
             </a:endParaRPr>
           </a:p>
+          <a:p>
+            <a:pPr algn="ctr"/>
+            <a:r>
+              <a:rPr kumimoji="1" lang="ja-JP" altLang="en-US" sz="3200" dirty="0">
+                <a:solidFill>
+                  <a:schemeClr val="tx1"/>
+                </a:solidFill>
+              </a:rPr>
+              <a:t>検討</a:t>
+            </a:r>
+          </a:p>
         </p:txBody>
       </p:sp>
       <p:sp>
@@ -6213,8 +6166,8 @@
         </p:nvSpPr>
         <p:spPr>
           <a:xfrm>
-            <a:off x="8344261" y="11511646"/>
-            <a:ext cx="4723615" cy="2154851"/>
+            <a:off x="8514751" y="10512803"/>
+            <a:ext cx="4371341" cy="1352925"/>
           </a:xfrm>
           <a:prstGeom prst="roundRect">
             <a:avLst/>
@@ -6248,18 +6201,13 @@
           <a:p>
             <a:pPr algn="ctr"/>
             <a:r>
-              <a:rPr kumimoji="1" lang="ja-JP" altLang="en-US" sz="3600" dirty="0" smtClean="0">
+              <a:rPr kumimoji="1" lang="ja-JP" altLang="en-US" sz="3200" dirty="0">
                 <a:solidFill>
                   <a:schemeClr val="tx1"/>
                 </a:solidFill>
               </a:rPr>
-              <a:t>プログラムを作成し，生データからツイートの本文と時間を抽出</a:t>
-            </a:r>
-            <a:endParaRPr kumimoji="1" lang="ja-JP" altLang="en-US" sz="3600" dirty="0">
-              <a:solidFill>
-                <a:schemeClr val="tx1"/>
-              </a:solidFill>
-            </a:endParaRPr>
+              <a:t>生データからツイートの本文と時間を抽出</a:t>
+            </a:r>
           </a:p>
         </p:txBody>
       </p:sp>
@@ -6271,8 +6219,8 @@
         </p:nvSpPr>
         <p:spPr>
           <a:xfrm>
-            <a:off x="5368248" y="11511646"/>
-            <a:ext cx="2762889" cy="2200136"/>
+            <a:off x="6100846" y="10387497"/>
+            <a:ext cx="2267481" cy="1603535"/>
           </a:xfrm>
           <a:prstGeom prst="rightArrow">
             <a:avLst/>
@@ -6306,18 +6254,13 @@
           <a:p>
             <a:pPr algn="ctr"/>
             <a:r>
-              <a:rPr kumimoji="1" lang="ja-JP" altLang="en-US" sz="3200" dirty="0" smtClean="0">
+              <a:rPr kumimoji="1" lang="ja-JP" altLang="en-US" sz="2800" dirty="0">
                 <a:solidFill>
                   <a:schemeClr val="tx1"/>
                 </a:solidFill>
               </a:rPr>
               <a:t>生データ</a:t>
             </a:r>
-            <a:endParaRPr kumimoji="1" lang="ja-JP" altLang="en-US" sz="3200" dirty="0">
-              <a:solidFill>
-                <a:schemeClr val="tx1"/>
-              </a:solidFill>
-            </a:endParaRPr>
           </a:p>
         </p:txBody>
       </p:sp>
@@ -6329,8 +6272,8 @@
         </p:nvSpPr>
         <p:spPr>
           <a:xfrm>
-            <a:off x="13170806" y="11467929"/>
-            <a:ext cx="2762889" cy="2200136"/>
+            <a:off x="13032516" y="10389254"/>
+            <a:ext cx="2267481" cy="1603535"/>
           </a:xfrm>
           <a:prstGeom prst="rightArrow">
             <a:avLst/>
@@ -6364,14 +6307,14 @@
           <a:p>
             <a:pPr algn="ctr"/>
             <a:r>
-              <a:rPr lang="ja-JP" altLang="en-US" sz="3200" dirty="0" smtClean="0">
+              <a:rPr lang="ja-JP" altLang="en-US" sz="2800" dirty="0">
                 <a:solidFill>
                   <a:schemeClr val="tx1"/>
                 </a:solidFill>
               </a:rPr>
               <a:t>抽出されたデータ</a:t>
             </a:r>
-            <a:endParaRPr kumimoji="1" lang="ja-JP" altLang="en-US" sz="3200" dirty="0">
+            <a:endParaRPr kumimoji="1" lang="ja-JP" altLang="en-US" sz="2800" dirty="0">
               <a:solidFill>
                 <a:schemeClr val="tx1"/>
               </a:solidFill>
@@ -6387,7 +6330,7 @@
         </p:nvSpPr>
         <p:spPr>
           <a:xfrm>
-            <a:off x="7671278" y="15222290"/>
+            <a:off x="7671278" y="16280832"/>
             <a:ext cx="6041070" cy="461665"/>
           </a:xfrm>
           <a:prstGeom prst="rect">
@@ -6401,26 +6344,17 @@
           <a:lstStyle/>
           <a:p>
             <a:r>
-              <a:rPr lang="ja-JP" altLang="en-US" sz="2400" dirty="0" smtClean="0"/>
+              <a:rPr lang="ja-JP" altLang="en-US" sz="2400" dirty="0"/>
               <a:t>表</a:t>
             </a:r>
             <a:r>
-              <a:rPr lang="en-US" altLang="ja-JP" sz="2400" dirty="0" smtClean="0"/>
-              <a:t>1</a:t>
-            </a:r>
-            <a:r>
-              <a:rPr lang="ja-JP" altLang="en-US" sz="2400" dirty="0" smtClean="0"/>
-              <a:t>　サービス停止の</a:t>
+              <a:rPr lang="en-US" altLang="ja-JP" sz="2400" dirty="0"/>
+              <a:t>2</a:t>
             </a:r>
             <a:r>
               <a:rPr lang="ja-JP" altLang="en-US" sz="2400" dirty="0"/>
-              <a:t>日付</a:t>
-            </a:r>
-            <a:r>
-              <a:rPr lang="ja-JP" altLang="en-US" sz="2400" dirty="0" smtClean="0"/>
-              <a:t>とツイート投稿時間</a:t>
-            </a:r>
-            <a:endParaRPr lang="ja-JP" altLang="en-US" sz="2400" dirty="0"/>
+              <a:t>　サービス停止の日付とツイート投稿時間</a:t>
+            </a:r>
           </a:p>
         </p:txBody>
       </p:sp>
@@ -6432,7 +6366,7 @@
         </p:nvSpPr>
         <p:spPr>
           <a:xfrm>
-            <a:off x="15093532" y="8048136"/>
+            <a:off x="14971694" y="7132829"/>
             <a:ext cx="5122413" cy="1569660"/>
           </a:xfrm>
           <a:prstGeom prst="rect">
@@ -6447,15 +6381,15 @@
           <a:lstStyle/>
           <a:p>
             <a:r>
-              <a:rPr kumimoji="1" lang="en-US" altLang="ja-JP" sz="4800" b="1" dirty="0" smtClean="0"/>
+              <a:rPr kumimoji="1" lang="en-US" altLang="ja-JP" sz="4800" b="1" dirty="0"/>
               <a:t>Twitter</a:t>
             </a:r>
             <a:r>
-              <a:rPr lang="ja-JP" altLang="en-US" sz="4800" b="1" dirty="0" smtClean="0"/>
+              <a:rPr lang="ja-JP" altLang="en-US" sz="4800" b="1" dirty="0"/>
               <a:t>発言を分析，影響調査する</a:t>
             </a:r>
             <a:r>
-              <a:rPr lang="ja-JP" altLang="en-US" sz="4800" dirty="0" smtClean="0"/>
+              <a:rPr lang="ja-JP" altLang="en-US" sz="4800" dirty="0"/>
               <a:t>．</a:t>
             </a:r>
             <a:endParaRPr kumimoji="1" lang="ja-JP" altLang="en-US" sz="4800" dirty="0"/>
@@ -6470,7 +6404,7 @@
         </p:nvSpPr>
         <p:spPr>
           <a:xfrm>
-            <a:off x="8137720" y="8171176"/>
+            <a:off x="8015882" y="7255869"/>
             <a:ext cx="5207990" cy="1960840"/>
           </a:xfrm>
           <a:prstGeom prst="flowChartMultidocument">
@@ -6505,14 +6439,14 @@
           <a:p>
             <a:pPr algn="ctr"/>
             <a:r>
-              <a:rPr lang="ja-JP" altLang="en-US" sz="4000" dirty="0" smtClean="0">
+              <a:rPr lang="ja-JP" altLang="en-US" sz="4000" dirty="0">
                 <a:solidFill>
                   <a:schemeClr val="tx1"/>
                 </a:solidFill>
               </a:rPr>
               <a:t>投稿されたツイート</a:t>
             </a:r>
-            <a:endParaRPr lang="en-US" altLang="ja-JP" sz="4000" dirty="0" smtClean="0"/>
+            <a:endParaRPr lang="en-US" altLang="ja-JP" sz="4000" dirty="0"/>
           </a:p>
         </p:txBody>
       </p:sp>
@@ -6524,7 +6458,7 @@
         </p:nvSpPr>
         <p:spPr>
           <a:xfrm>
-            <a:off x="13720501" y="7334614"/>
+            <a:off x="13598663" y="6419307"/>
             <a:ext cx="864096" cy="2896082"/>
           </a:xfrm>
           <a:prstGeom prst="rightBrace">
@@ -6582,7 +6516,7 @@
         </p:blipFill>
         <p:spPr bwMode="auto">
           <a:xfrm>
-            <a:off x="8736388" y="6521209"/>
+            <a:off x="8811477" y="5679650"/>
             <a:ext cx="3986383" cy="2190320"/>
           </a:xfrm>
           <a:prstGeom prst="rect">
@@ -6608,7 +6542,7 @@
         </p:nvSpPr>
         <p:spPr>
           <a:xfrm>
-            <a:off x="2008357" y="8981366"/>
+            <a:off x="1886519" y="8066059"/>
             <a:ext cx="1119144" cy="1008112"/>
           </a:xfrm>
           <a:prstGeom prst="smileyFace">
@@ -6654,7 +6588,7 @@
         </p:nvSpPr>
         <p:spPr>
           <a:xfrm>
-            <a:off x="2022511" y="7755423"/>
+            <a:off x="1900673" y="6840116"/>
             <a:ext cx="1119144" cy="1008112"/>
           </a:xfrm>
           <a:prstGeom prst="smileyFace">
@@ -6703,7 +6637,7 @@
         </p:nvCxnSpPr>
         <p:spPr>
           <a:xfrm>
-            <a:off x="3141655" y="8259479"/>
+            <a:off x="3019817" y="7344172"/>
             <a:ext cx="4996065" cy="892117"/>
           </a:xfrm>
           <a:prstGeom prst="straightConnector1">
@@ -6732,6 +6666,7 @@
         <p:nvCxnSpPr>
           <p:cNvPr id="81" name="直線矢印コネクタ 80"/>
           <p:cNvCxnSpPr>
+            <a:cxnSpLocks/>
             <a:stCxn id="77" idx="6"/>
             <a:endCxn id="38" idx="1"/>
           </p:cNvCxnSpPr>
@@ -6739,7 +6674,7 @@
         </p:nvCxnSpPr>
         <p:spPr>
           <a:xfrm flipV="1">
-            <a:off x="3127501" y="9151596"/>
+            <a:off x="3005663" y="8236289"/>
             <a:ext cx="5010219" cy="333826"/>
           </a:xfrm>
           <a:prstGeom prst="straightConnector1">
@@ -6769,7 +6704,7 @@
           <p:cNvPr id="84" name="正方形/長方形 83">
             <a:extLst>
               <a:ext uri="{FF2B5EF4-FFF2-40B4-BE49-F238E27FC236}">
-                <a16:creationId xmlns="" xmlns:a16="http://schemas.microsoft.com/office/drawing/2014/main" id="{401C0CA2-1ED5-4367-8DD2-276FF27AF999}"/>
+                <a16:creationId xmlns:a16="http://schemas.microsoft.com/office/drawing/2014/main" id="{401C0CA2-1ED5-4367-8DD2-276FF27AF999}"/>
               </a:ext>
             </a:extLst>
           </p:cNvPr>
@@ -6778,7 +6713,7 @@
         </p:nvSpPr>
         <p:spPr>
           <a:xfrm>
-            <a:off x="3575927" y="7850897"/>
+            <a:off x="3454089" y="6935590"/>
             <a:ext cx="4262459" cy="584775"/>
           </a:xfrm>
           <a:prstGeom prst="rect">
@@ -6792,10 +6727,372 @@
           <a:lstStyle/>
           <a:p>
             <a:r>
-              <a:rPr lang="ja-JP" altLang="en-US" sz="3200" dirty="0" smtClean="0"/>
+              <a:rPr lang="ja-JP" altLang="en-US" sz="3200" dirty="0"/>
               <a:t>障害発生に対する反応</a:t>
             </a:r>
-            <a:endParaRPr lang="ja-JP" altLang="en-US" sz="3200" dirty="0"/>
+          </a:p>
+        </p:txBody>
+      </p:sp>
+      <p:sp>
+        <p:nvSpPr>
+          <p:cNvPr id="39" name="正方形/長方形 38">
+            <a:extLst>
+              <a:ext uri="{FF2B5EF4-FFF2-40B4-BE49-F238E27FC236}">
+                <a16:creationId xmlns:a16="http://schemas.microsoft.com/office/drawing/2014/main" id="{DE17DC8F-114F-4A75-8F28-3D06343B672C}"/>
+              </a:ext>
+            </a:extLst>
+          </p:cNvPr>
+          <p:cNvSpPr/>
+          <p:nvPr/>
+        </p:nvSpPr>
+        <p:spPr>
+          <a:xfrm>
+            <a:off x="1035153" y="13302468"/>
+            <a:ext cx="12220574" cy="1569660"/>
+          </a:xfrm>
+          <a:prstGeom prst="rect">
+            <a:avLst/>
+          </a:prstGeom>
+        </p:spPr>
+        <p:txBody>
+          <a:bodyPr wrap="square">
+            <a:spAutoFit/>
+          </a:bodyPr>
+          <a:lstStyle/>
+          <a:p>
+            <a:r>
+              <a:rPr lang="en-US" altLang="ja-JP" sz="3200" dirty="0"/>
+              <a:t>Twitter API</a:t>
+            </a:r>
+            <a:r>
+              <a:rPr lang="ja-JP" altLang="en-US" sz="3200" dirty="0"/>
+              <a:t>が表</a:t>
+            </a:r>
+            <a:r>
+              <a:rPr lang="en-US" altLang="ja-JP" sz="3200" dirty="0"/>
+              <a:t>1</a:t>
+            </a:r>
+            <a:r>
+              <a:rPr lang="ja-JP" altLang="en-US" sz="3200" dirty="0"/>
+              <a:t>に記した仕様のため，本研究では</a:t>
+            </a:r>
+            <a:r>
+              <a:rPr lang="en-US" altLang="ja-JP" sz="3200" dirty="0"/>
+              <a:t>Web</a:t>
+            </a:r>
+            <a:r>
+              <a:rPr lang="ja-JP" altLang="en-US" sz="3200" dirty="0"/>
+              <a:t>ページの高度な検索によるツイート検索とデータ抽出で別々にプログラムを作成し，</a:t>
+            </a:r>
+            <a:r>
+              <a:rPr lang="en-US" altLang="ja-JP" sz="3200" dirty="0"/>
+              <a:t>API</a:t>
+            </a:r>
+            <a:r>
+              <a:rPr lang="ja-JP" altLang="en-US" sz="3200" dirty="0"/>
+              <a:t>を使わずデータ取得を自動化する．</a:t>
+            </a:r>
+            <a:endParaRPr lang="en-US" altLang="ja-JP" sz="3200" dirty="0"/>
+          </a:p>
+        </p:txBody>
+      </p:sp>
+      <p:graphicFrame>
+        <p:nvGraphicFramePr>
+          <p:cNvPr id="11" name="表 10">
+            <a:extLst>
+              <a:ext uri="{FF2B5EF4-FFF2-40B4-BE49-F238E27FC236}">
+                <a16:creationId xmlns:a16="http://schemas.microsoft.com/office/drawing/2014/main" id="{82469540-63B0-44BB-A538-2B7781F9CB09}"/>
+              </a:ext>
+            </a:extLst>
+          </p:cNvPr>
+          <p:cNvGraphicFramePr>
+            <a:graphicFrameLocks noGrp="1"/>
+          </p:cNvGraphicFramePr>
+          <p:nvPr>
+            <p:extLst>
+              <p:ext uri="{D42A27DB-BD31-4B8C-83A1-F6EECF244321}">
+                <p14:modId xmlns:p14="http://schemas.microsoft.com/office/powerpoint/2010/main" val="1877663703"/>
+              </p:ext>
+            </p:extLst>
+          </p:nvPr>
+        </p:nvGraphicFramePr>
+        <p:xfrm>
+          <a:off x="13737708" y="12705502"/>
+          <a:ext cx="6398350" cy="2324322"/>
+        </p:xfrm>
+        <a:graphic>
+          <a:graphicData uri="http://schemas.openxmlformats.org/drawingml/2006/table">
+            <a:tbl>
+              <a:tblPr bandRow="1">
+                <a:tableStyleId>{5FD0F851-EC5A-4D38-B0AD-8093EC10F338}</a:tableStyleId>
+              </a:tblPr>
+              <a:tblGrid>
+                <a:gridCol w="6398350">
+                  <a:extLst>
+                    <a:ext uri="{9D8B030D-6E8A-4147-A177-3AD203B41FA5}">
+                      <a16:colId xmlns:a16="http://schemas.microsoft.com/office/drawing/2014/main" val="2815809305"/>
+                    </a:ext>
+                  </a:extLst>
+                </a:gridCol>
+              </a:tblGrid>
+              <a:tr h="774774">
+                <a:tc>
+                  <a:txBody>
+                    <a:bodyPr/>
+                    <a:lstStyle/>
+                    <a:p>
+                      <a:r>
+                        <a:rPr kumimoji="1" lang="en-US" altLang="ja-JP" sz="2800" dirty="0"/>
+                        <a:t>1</a:t>
+                      </a:r>
+                      <a:r>
+                        <a:rPr kumimoji="1" lang="ja-JP" altLang="en-US" sz="2800" dirty="0"/>
+                        <a:t>週間以上前のツイートは検索できない</a:t>
+                      </a:r>
+                      <a:endParaRPr kumimoji="1" lang="ja-JP" altLang="en-US" sz="2800" b="0" dirty="0"/>
+                    </a:p>
+                  </a:txBody>
+                  <a:tcPr anchor="ctr"/>
+                </a:tc>
+                <a:extLst>
+                  <a:ext uri="{0D108BD9-81ED-4DB2-BD59-A6C34878D82A}">
+                    <a16:rowId xmlns:a16="http://schemas.microsoft.com/office/drawing/2014/main" val="3732595644"/>
+                  </a:ext>
+                </a:extLst>
+              </a:tr>
+              <a:tr h="774774">
+                <a:tc>
+                  <a:txBody>
+                    <a:bodyPr/>
+                    <a:lstStyle/>
+                    <a:p>
+                      <a:r>
+                        <a:rPr kumimoji="1" lang="en-US" altLang="ja-JP" sz="2800" dirty="0"/>
+                        <a:t>1</a:t>
+                      </a:r>
+                      <a:r>
+                        <a:rPr kumimoji="1" lang="ja-JP" altLang="en-US" sz="2800" dirty="0"/>
+                        <a:t>回の</a:t>
+                      </a:r>
+                      <a:r>
+                        <a:rPr kumimoji="1" lang="en-US" altLang="ja-JP" sz="2800" dirty="0"/>
+                        <a:t>API</a:t>
+                      </a:r>
+                      <a:r>
+                        <a:rPr kumimoji="1" lang="ja-JP" altLang="en-US" sz="2800" dirty="0"/>
+                        <a:t>で取得できる上限は</a:t>
+                      </a:r>
+                      <a:r>
+                        <a:rPr kumimoji="1" lang="en-US" altLang="ja-JP" sz="2800" dirty="0"/>
+                        <a:t>100</a:t>
+                      </a:r>
+                      <a:r>
+                        <a:rPr kumimoji="1" lang="ja-JP" altLang="en-US" sz="2800" dirty="0"/>
+                        <a:t>件まで</a:t>
+                      </a:r>
+                    </a:p>
+                  </a:txBody>
+                  <a:tcPr anchor="ctr"/>
+                </a:tc>
+                <a:extLst>
+                  <a:ext uri="{0D108BD9-81ED-4DB2-BD59-A6C34878D82A}">
+                    <a16:rowId xmlns:a16="http://schemas.microsoft.com/office/drawing/2014/main" val="3423379795"/>
+                  </a:ext>
+                </a:extLst>
+              </a:tr>
+              <a:tr h="774774">
+                <a:tc>
+                  <a:txBody>
+                    <a:bodyPr/>
+                    <a:lstStyle/>
+                    <a:p>
+                      <a:r>
+                        <a:rPr kumimoji="1" lang="en-US" altLang="ja-JP" sz="2800" dirty="0"/>
+                        <a:t>15</a:t>
+                      </a:r>
+                      <a:r>
+                        <a:rPr kumimoji="1" lang="ja-JP" altLang="en-US" sz="2800" dirty="0"/>
+                        <a:t>分間に</a:t>
+                      </a:r>
+                      <a:r>
+                        <a:rPr kumimoji="1" lang="en-US" altLang="ja-JP" sz="2800" dirty="0"/>
+                        <a:t>180</a:t>
+                      </a:r>
+                      <a:r>
+                        <a:rPr kumimoji="1" lang="ja-JP" altLang="en-US" sz="2800" dirty="0"/>
+                        <a:t>回のリクエスト制限あり</a:t>
+                      </a:r>
+                    </a:p>
+                  </a:txBody>
+                  <a:tcPr anchor="ctr"/>
+                </a:tc>
+                <a:extLst>
+                  <a:ext uri="{0D108BD9-81ED-4DB2-BD59-A6C34878D82A}">
+                    <a16:rowId xmlns:a16="http://schemas.microsoft.com/office/drawing/2014/main" val="3864370599"/>
+                  </a:ext>
+                </a:extLst>
+              </a:tr>
+            </a:tbl>
+          </a:graphicData>
+        </a:graphic>
+      </p:graphicFrame>
+      <p:sp>
+        <p:nvSpPr>
+          <p:cNvPr id="41" name="正方形/長方形 40">
+            <a:extLst>
+              <a:ext uri="{FF2B5EF4-FFF2-40B4-BE49-F238E27FC236}">
+                <a16:creationId xmlns:a16="http://schemas.microsoft.com/office/drawing/2014/main" id="{16C91E70-F9D8-4E56-8CC2-61B854B96E39}"/>
+              </a:ext>
+            </a:extLst>
+          </p:cNvPr>
+          <p:cNvSpPr/>
+          <p:nvPr/>
+        </p:nvSpPr>
+        <p:spPr>
+          <a:xfrm>
+            <a:off x="15353198" y="12220880"/>
+            <a:ext cx="3167369" cy="461665"/>
+          </a:xfrm>
+          <a:prstGeom prst="rect">
+            <a:avLst/>
+          </a:prstGeom>
+        </p:spPr>
+        <p:txBody>
+          <a:bodyPr wrap="square">
+            <a:spAutoFit/>
+          </a:bodyPr>
+          <a:lstStyle/>
+          <a:p>
+            <a:r>
+              <a:rPr lang="ja-JP" altLang="en-US" sz="2400" dirty="0"/>
+              <a:t>表</a:t>
+            </a:r>
+            <a:r>
+              <a:rPr lang="en-US" altLang="ja-JP" sz="2400" dirty="0"/>
+              <a:t>1</a:t>
+            </a:r>
+            <a:r>
+              <a:rPr lang="ja-JP" altLang="en-US" sz="2400" dirty="0"/>
+              <a:t>　</a:t>
+            </a:r>
+            <a:r>
+              <a:rPr lang="en-US" altLang="ja-JP" sz="2400" dirty="0"/>
+              <a:t>Twitter</a:t>
+            </a:r>
+            <a:r>
+              <a:rPr lang="ja-JP" altLang="en-US" sz="2400" dirty="0"/>
+              <a:t> </a:t>
+            </a:r>
+            <a:r>
+              <a:rPr lang="en-US" altLang="ja-JP" sz="2400" dirty="0"/>
+              <a:t>API</a:t>
+            </a:r>
+            <a:r>
+              <a:rPr lang="ja-JP" altLang="en-US" sz="2400" dirty="0"/>
+              <a:t>の仕様</a:t>
+            </a:r>
+          </a:p>
+        </p:txBody>
+      </p:sp>
+      <p:sp>
+        <p:nvSpPr>
+          <p:cNvPr id="14" name="テキスト ボックス 13">
+            <a:extLst>
+              <a:ext uri="{FF2B5EF4-FFF2-40B4-BE49-F238E27FC236}">
+                <a16:creationId xmlns:a16="http://schemas.microsoft.com/office/drawing/2014/main" id="{C16386C8-5C38-4536-A716-3746602CFD17}"/>
+              </a:ext>
+            </a:extLst>
+          </p:cNvPr>
+          <p:cNvSpPr txBox="1"/>
+          <p:nvPr/>
+        </p:nvSpPr>
+        <p:spPr>
+          <a:xfrm>
+            <a:off x="1970055" y="12027656"/>
+            <a:ext cx="3601445" cy="1077218"/>
+          </a:xfrm>
+          <a:prstGeom prst="rect">
+            <a:avLst/>
+          </a:prstGeom>
+          <a:noFill/>
+        </p:spPr>
+        <p:txBody>
+          <a:bodyPr wrap="square" rtlCol="0">
+            <a:spAutoFit/>
+          </a:bodyPr>
+          <a:lstStyle/>
+          <a:p>
+            <a:r>
+              <a:rPr kumimoji="1" lang="ja-JP" altLang="en-US" sz="3200" dirty="0">
+                <a:solidFill>
+                  <a:srgbClr val="FF0000"/>
+                </a:solidFill>
+              </a:rPr>
+              <a:t>検索結果の</a:t>
+            </a:r>
+            <a:r>
+              <a:rPr kumimoji="1" lang="en-US" altLang="ja-JP" sz="3200" dirty="0">
+                <a:solidFill>
+                  <a:srgbClr val="FF0000"/>
+                </a:solidFill>
+              </a:rPr>
+              <a:t>HTML</a:t>
+            </a:r>
+            <a:r>
+              <a:rPr kumimoji="1" lang="ja-JP" altLang="en-US" sz="3200" dirty="0">
+                <a:solidFill>
+                  <a:srgbClr val="FF0000"/>
+                </a:solidFill>
+              </a:rPr>
+              <a:t>を取得するプログラム</a:t>
+            </a:r>
+          </a:p>
+        </p:txBody>
+      </p:sp>
+      <p:sp>
+        <p:nvSpPr>
+          <p:cNvPr id="43" name="テキスト ボックス 42">
+            <a:extLst>
+              <a:ext uri="{FF2B5EF4-FFF2-40B4-BE49-F238E27FC236}">
+                <a16:creationId xmlns:a16="http://schemas.microsoft.com/office/drawing/2014/main" id="{A3C31FA0-1652-481C-9F05-534978BBB142}"/>
+              </a:ext>
+            </a:extLst>
+          </p:cNvPr>
+          <p:cNvSpPr txBox="1"/>
+          <p:nvPr/>
+        </p:nvSpPr>
+        <p:spPr>
+          <a:xfrm>
+            <a:off x="8891090" y="12033381"/>
+            <a:ext cx="3601445" cy="1077218"/>
+          </a:xfrm>
+          <a:prstGeom prst="rect">
+            <a:avLst/>
+          </a:prstGeom>
+          <a:noFill/>
+        </p:spPr>
+        <p:txBody>
+          <a:bodyPr wrap="square" rtlCol="0">
+            <a:spAutoFit/>
+          </a:bodyPr>
+          <a:lstStyle/>
+          <a:p>
+            <a:r>
+              <a:rPr kumimoji="1" lang="en-US" altLang="ja-JP" sz="3200" dirty="0">
+                <a:solidFill>
+                  <a:srgbClr val="FF0000"/>
+                </a:solidFill>
+              </a:rPr>
+              <a:t>HTML</a:t>
+            </a:r>
+            <a:r>
+              <a:rPr kumimoji="1" lang="ja-JP" altLang="en-US" sz="3200" dirty="0">
+                <a:solidFill>
+                  <a:srgbClr val="FF0000"/>
+                </a:solidFill>
+              </a:rPr>
+              <a:t>からデータを抽出するプログラム</a:t>
+            </a:r>
           </a:p>
         </p:txBody>
       </p:sp>
